--- a/figures/franckcondon.pptx
+++ b/figures/franckcondon.pptx
@@ -289,7 +289,7 @@
           <a:p>
             <a:fld id="{CF5AEEC3-E33C-4437-AD98-0E2803A95A1A}" type="datetimeFigureOut">
               <a:rPr lang="en-US" smtClean="0"/>
-              <a:t>10/6/2015</a:t>
+              <a:t>10/8/2015</a:t>
             </a:fld>
             <a:endParaRPr lang="en-US"/>
           </a:p>
@@ -459,7 +459,7 @@
           <a:p>
             <a:fld id="{CF5AEEC3-E33C-4437-AD98-0E2803A95A1A}" type="datetimeFigureOut">
               <a:rPr lang="en-US" smtClean="0"/>
-              <a:t>10/6/2015</a:t>
+              <a:t>10/8/2015</a:t>
             </a:fld>
             <a:endParaRPr lang="en-US"/>
           </a:p>
@@ -639,7 +639,7 @@
           <a:p>
             <a:fld id="{CF5AEEC3-E33C-4437-AD98-0E2803A95A1A}" type="datetimeFigureOut">
               <a:rPr lang="en-US" smtClean="0"/>
-              <a:t>10/6/2015</a:t>
+              <a:t>10/8/2015</a:t>
             </a:fld>
             <a:endParaRPr lang="en-US"/>
           </a:p>
@@ -809,7 +809,7 @@
           <a:p>
             <a:fld id="{CF5AEEC3-E33C-4437-AD98-0E2803A95A1A}" type="datetimeFigureOut">
               <a:rPr lang="en-US" smtClean="0"/>
-              <a:t>10/6/2015</a:t>
+              <a:t>10/8/2015</a:t>
             </a:fld>
             <a:endParaRPr lang="en-US"/>
           </a:p>
@@ -1055,7 +1055,7 @@
           <a:p>
             <a:fld id="{CF5AEEC3-E33C-4437-AD98-0E2803A95A1A}" type="datetimeFigureOut">
               <a:rPr lang="en-US" smtClean="0"/>
-              <a:t>10/6/2015</a:t>
+              <a:t>10/8/2015</a:t>
             </a:fld>
             <a:endParaRPr lang="en-US"/>
           </a:p>
@@ -1343,7 +1343,7 @@
           <a:p>
             <a:fld id="{CF5AEEC3-E33C-4437-AD98-0E2803A95A1A}" type="datetimeFigureOut">
               <a:rPr lang="en-US" smtClean="0"/>
-              <a:t>10/6/2015</a:t>
+              <a:t>10/8/2015</a:t>
             </a:fld>
             <a:endParaRPr lang="en-US"/>
           </a:p>
@@ -1765,7 +1765,7 @@
           <a:p>
             <a:fld id="{CF5AEEC3-E33C-4437-AD98-0E2803A95A1A}" type="datetimeFigureOut">
               <a:rPr lang="en-US" smtClean="0"/>
-              <a:t>10/6/2015</a:t>
+              <a:t>10/8/2015</a:t>
             </a:fld>
             <a:endParaRPr lang="en-US"/>
           </a:p>
@@ -1883,7 +1883,7 @@
           <a:p>
             <a:fld id="{CF5AEEC3-E33C-4437-AD98-0E2803A95A1A}" type="datetimeFigureOut">
               <a:rPr lang="en-US" smtClean="0"/>
-              <a:t>10/6/2015</a:t>
+              <a:t>10/8/2015</a:t>
             </a:fld>
             <a:endParaRPr lang="en-US"/>
           </a:p>
@@ -1978,7 +1978,7 @@
           <a:p>
             <a:fld id="{CF5AEEC3-E33C-4437-AD98-0E2803A95A1A}" type="datetimeFigureOut">
               <a:rPr lang="en-US" smtClean="0"/>
-              <a:t>10/6/2015</a:t>
+              <a:t>10/8/2015</a:t>
             </a:fld>
             <a:endParaRPr lang="en-US"/>
           </a:p>
@@ -2255,7 +2255,7 @@
           <a:p>
             <a:fld id="{CF5AEEC3-E33C-4437-AD98-0E2803A95A1A}" type="datetimeFigureOut">
               <a:rPr lang="en-US" smtClean="0"/>
-              <a:t>10/6/2015</a:t>
+              <a:t>10/8/2015</a:t>
             </a:fld>
             <a:endParaRPr lang="en-US"/>
           </a:p>
@@ -2508,7 +2508,7 @@
           <a:p>
             <a:fld id="{CF5AEEC3-E33C-4437-AD98-0E2803A95A1A}" type="datetimeFigureOut">
               <a:rPr lang="en-US" smtClean="0"/>
-              <a:t>10/6/2015</a:t>
+              <a:t>10/8/2015</a:t>
             </a:fld>
             <a:endParaRPr lang="en-US"/>
           </a:p>
@@ -2721,7 +2721,7 @@
           <a:p>
             <a:fld id="{CF5AEEC3-E33C-4437-AD98-0E2803A95A1A}" type="datetimeFigureOut">
               <a:rPr lang="en-US" smtClean="0"/>
-              <a:t>10/6/2015</a:t>
+              <a:t>10/8/2015</a:t>
             </a:fld>
             <a:endParaRPr lang="en-US"/>
           </a:p>
@@ -4245,6 +4245,374 @@
               <a:t>B</a:t>
             </a:r>
             <a:endParaRPr lang="en-US" sz="2800" dirty="0"/>
+          </a:p>
+        </p:txBody>
+      </p:sp>
+      <p:sp>
+        <p:nvSpPr>
+          <p:cNvPr id="23" name="TextBox 22"/>
+          <p:cNvSpPr txBox="1"/>
+          <p:nvPr/>
+        </p:nvSpPr>
+        <p:spPr>
+          <a:xfrm>
+            <a:off x="6477000" y="304800"/>
+            <a:ext cx="2049535" cy="523220"/>
+          </a:xfrm>
+          <a:prstGeom prst="rect">
+            <a:avLst/>
+          </a:prstGeom>
+          <a:noFill/>
+        </p:spPr>
+        <p:txBody>
+          <a:bodyPr wrap="none" rtlCol="0">
+            <a:spAutoFit/>
+          </a:bodyPr>
+          <a:lstStyle/>
+          <a:p>
+            <a:r>
+              <a:rPr lang="en-US" sz="2800" dirty="0" smtClean="0"/>
+              <a:t>Excited State</a:t>
+            </a:r>
+            <a:endParaRPr lang="en-US" sz="2800" dirty="0"/>
+          </a:p>
+        </p:txBody>
+      </p:sp>
+      <p:sp>
+        <p:nvSpPr>
+          <p:cNvPr id="26" name="TextBox 25"/>
+          <p:cNvSpPr txBox="1"/>
+          <p:nvPr/>
+        </p:nvSpPr>
+        <p:spPr>
+          <a:xfrm>
+            <a:off x="5943600" y="3055834"/>
+            <a:ext cx="2111797" cy="523220"/>
+          </a:xfrm>
+          <a:prstGeom prst="rect">
+            <a:avLst/>
+          </a:prstGeom>
+          <a:noFill/>
+        </p:spPr>
+        <p:txBody>
+          <a:bodyPr wrap="none" rtlCol="0">
+            <a:spAutoFit/>
+          </a:bodyPr>
+          <a:lstStyle/>
+          <a:p>
+            <a:r>
+              <a:rPr lang="en-US" sz="2800" dirty="0" smtClean="0"/>
+              <a:t>Ground State</a:t>
+            </a:r>
+            <a:endParaRPr lang="en-US" sz="2800" dirty="0"/>
+          </a:p>
+        </p:txBody>
+      </p:sp>
+      <p:sp>
+        <p:nvSpPr>
+          <p:cNvPr id="3" name="TextBox 2"/>
+          <p:cNvSpPr txBox="1"/>
+          <p:nvPr/>
+        </p:nvSpPr>
+        <p:spPr>
+          <a:xfrm>
+            <a:off x="3805881" y="5334000"/>
+            <a:ext cx="673582" cy="400110"/>
+          </a:xfrm>
+          <a:prstGeom prst="rect">
+            <a:avLst/>
+          </a:prstGeom>
+          <a:noFill/>
+        </p:spPr>
+        <p:txBody>
+          <a:bodyPr wrap="none" rtlCol="0">
+            <a:spAutoFit/>
+          </a:bodyPr>
+          <a:lstStyle/>
+          <a:p>
+            <a:r>
+              <a:rPr lang="el-GR" sz="2000" dirty="0" smtClean="0"/>
+              <a:t>ν</a:t>
+            </a:r>
+            <a:r>
+              <a:rPr lang="en-US" sz="2000" dirty="0" smtClean="0"/>
+              <a:t> = 0</a:t>
+            </a:r>
+            <a:endParaRPr lang="en-US" sz="2000" dirty="0"/>
+          </a:p>
+        </p:txBody>
+      </p:sp>
+      <p:sp>
+        <p:nvSpPr>
+          <p:cNvPr id="28" name="TextBox 27"/>
+          <p:cNvSpPr txBox="1"/>
+          <p:nvPr/>
+        </p:nvSpPr>
+        <p:spPr>
+          <a:xfrm>
+            <a:off x="4104280" y="4991899"/>
+            <a:ext cx="314510" cy="400110"/>
+          </a:xfrm>
+          <a:prstGeom prst="rect">
+            <a:avLst/>
+          </a:prstGeom>
+          <a:noFill/>
+        </p:spPr>
+        <p:txBody>
+          <a:bodyPr wrap="none" rtlCol="0">
+            <a:spAutoFit/>
+          </a:bodyPr>
+          <a:lstStyle/>
+          <a:p>
+            <a:r>
+              <a:rPr lang="en-US" sz="2000" dirty="0" smtClean="0"/>
+              <a:t>1</a:t>
+            </a:r>
+            <a:endParaRPr lang="en-US" sz="2000" dirty="0"/>
+          </a:p>
+        </p:txBody>
+      </p:sp>
+      <p:sp>
+        <p:nvSpPr>
+          <p:cNvPr id="29" name="TextBox 28"/>
+          <p:cNvSpPr txBox="1"/>
+          <p:nvPr/>
+        </p:nvSpPr>
+        <p:spPr>
+          <a:xfrm>
+            <a:off x="4245910" y="4673199"/>
+            <a:ext cx="314510" cy="400110"/>
+          </a:xfrm>
+          <a:prstGeom prst="rect">
+            <a:avLst/>
+          </a:prstGeom>
+          <a:noFill/>
+        </p:spPr>
+        <p:txBody>
+          <a:bodyPr wrap="none" rtlCol="0">
+            <a:spAutoFit/>
+          </a:bodyPr>
+          <a:lstStyle/>
+          <a:p>
+            <a:r>
+              <a:rPr lang="en-US" sz="2000" dirty="0" smtClean="0"/>
+              <a:t>2</a:t>
+            </a:r>
+            <a:endParaRPr lang="en-US" sz="2000" dirty="0"/>
+          </a:p>
+        </p:txBody>
+      </p:sp>
+      <p:sp>
+        <p:nvSpPr>
+          <p:cNvPr id="31" name="TextBox 30"/>
+          <p:cNvSpPr txBox="1"/>
+          <p:nvPr/>
+        </p:nvSpPr>
+        <p:spPr>
+          <a:xfrm>
+            <a:off x="4479463" y="4371944"/>
+            <a:ext cx="314510" cy="400110"/>
+          </a:xfrm>
+          <a:prstGeom prst="rect">
+            <a:avLst/>
+          </a:prstGeom>
+          <a:noFill/>
+        </p:spPr>
+        <p:txBody>
+          <a:bodyPr wrap="none" rtlCol="0">
+            <a:spAutoFit/>
+          </a:bodyPr>
+          <a:lstStyle/>
+          <a:p>
+            <a:r>
+              <a:rPr lang="en-US" sz="2000" dirty="0" smtClean="0"/>
+              <a:t>3</a:t>
+            </a:r>
+            <a:endParaRPr lang="en-US" sz="2000" dirty="0"/>
+          </a:p>
+        </p:txBody>
+      </p:sp>
+      <p:sp>
+        <p:nvSpPr>
+          <p:cNvPr id="33" name="TextBox 32"/>
+          <p:cNvSpPr txBox="1"/>
+          <p:nvPr/>
+        </p:nvSpPr>
+        <p:spPr>
+          <a:xfrm>
+            <a:off x="4714690" y="4038600"/>
+            <a:ext cx="314510" cy="400110"/>
+          </a:xfrm>
+          <a:prstGeom prst="rect">
+            <a:avLst/>
+          </a:prstGeom>
+          <a:noFill/>
+        </p:spPr>
+        <p:txBody>
+          <a:bodyPr wrap="none" rtlCol="0">
+            <a:spAutoFit/>
+          </a:bodyPr>
+          <a:lstStyle/>
+          <a:p>
+            <a:r>
+              <a:rPr lang="en-US" sz="2000" dirty="0" smtClean="0"/>
+              <a:t>4</a:t>
+            </a:r>
+            <a:endParaRPr lang="en-US" sz="2000" dirty="0"/>
+          </a:p>
+        </p:txBody>
+      </p:sp>
+      <p:sp>
+        <p:nvSpPr>
+          <p:cNvPr id="35" name="TextBox 34"/>
+          <p:cNvSpPr txBox="1"/>
+          <p:nvPr/>
+        </p:nvSpPr>
+        <p:spPr>
+          <a:xfrm>
+            <a:off x="4648200" y="2649197"/>
+            <a:ext cx="729687" cy="400110"/>
+          </a:xfrm>
+          <a:prstGeom prst="rect">
+            <a:avLst/>
+          </a:prstGeom>
+          <a:noFill/>
+        </p:spPr>
+        <p:txBody>
+          <a:bodyPr wrap="none" rtlCol="0">
+            <a:spAutoFit/>
+          </a:bodyPr>
+          <a:lstStyle/>
+          <a:p>
+            <a:r>
+              <a:rPr lang="el-GR" sz="2000" dirty="0" smtClean="0"/>
+              <a:t>ν</a:t>
+            </a:r>
+            <a:r>
+              <a:rPr lang="en-US" sz="2000" dirty="0" smtClean="0"/>
+              <a:t>' = 0</a:t>
+            </a:r>
+            <a:endParaRPr lang="en-US" sz="2000" dirty="0"/>
+          </a:p>
+        </p:txBody>
+      </p:sp>
+      <p:sp>
+        <p:nvSpPr>
+          <p:cNvPr id="37" name="TextBox 36"/>
+          <p:cNvSpPr txBox="1"/>
+          <p:nvPr/>
+        </p:nvSpPr>
+        <p:spPr>
+          <a:xfrm>
+            <a:off x="4928981" y="2307096"/>
+            <a:ext cx="314510" cy="400110"/>
+          </a:xfrm>
+          <a:prstGeom prst="rect">
+            <a:avLst/>
+          </a:prstGeom>
+          <a:noFill/>
+        </p:spPr>
+        <p:txBody>
+          <a:bodyPr wrap="none" rtlCol="0">
+            <a:spAutoFit/>
+          </a:bodyPr>
+          <a:lstStyle/>
+          <a:p>
+            <a:r>
+              <a:rPr lang="en-US" sz="2000" dirty="0" smtClean="0"/>
+              <a:t>1</a:t>
+            </a:r>
+            <a:endParaRPr lang="en-US" sz="2000" dirty="0"/>
+          </a:p>
+        </p:txBody>
+      </p:sp>
+      <p:sp>
+        <p:nvSpPr>
+          <p:cNvPr id="38" name="TextBox 37"/>
+          <p:cNvSpPr txBox="1"/>
+          <p:nvPr/>
+        </p:nvSpPr>
+        <p:spPr>
+          <a:xfrm>
+            <a:off x="5088229" y="1988396"/>
+            <a:ext cx="314510" cy="400110"/>
+          </a:xfrm>
+          <a:prstGeom prst="rect">
+            <a:avLst/>
+          </a:prstGeom>
+          <a:noFill/>
+        </p:spPr>
+        <p:txBody>
+          <a:bodyPr wrap="none" rtlCol="0">
+            <a:spAutoFit/>
+          </a:bodyPr>
+          <a:lstStyle/>
+          <a:p>
+            <a:r>
+              <a:rPr lang="en-US" sz="2000" dirty="0" smtClean="0"/>
+              <a:t>2</a:t>
+            </a:r>
+            <a:endParaRPr lang="en-US" sz="2000" dirty="0"/>
+          </a:p>
+        </p:txBody>
+      </p:sp>
+      <p:sp>
+        <p:nvSpPr>
+          <p:cNvPr id="40" name="TextBox 39"/>
+          <p:cNvSpPr txBox="1"/>
+          <p:nvPr/>
+        </p:nvSpPr>
+        <p:spPr>
+          <a:xfrm>
+            <a:off x="5321782" y="1687141"/>
+            <a:ext cx="314510" cy="400110"/>
+          </a:xfrm>
+          <a:prstGeom prst="rect">
+            <a:avLst/>
+          </a:prstGeom>
+          <a:noFill/>
+        </p:spPr>
+        <p:txBody>
+          <a:bodyPr wrap="none" rtlCol="0">
+            <a:spAutoFit/>
+          </a:bodyPr>
+          <a:lstStyle/>
+          <a:p>
+            <a:r>
+              <a:rPr lang="en-US" sz="2000" dirty="0" smtClean="0"/>
+              <a:t>3</a:t>
+            </a:r>
+            <a:endParaRPr lang="en-US" sz="2000" dirty="0"/>
+          </a:p>
+        </p:txBody>
+      </p:sp>
+      <p:sp>
+        <p:nvSpPr>
+          <p:cNvPr id="45" name="TextBox 44"/>
+          <p:cNvSpPr txBox="1"/>
+          <p:nvPr/>
+        </p:nvSpPr>
+        <p:spPr>
+          <a:xfrm>
+            <a:off x="5557009" y="1353797"/>
+            <a:ext cx="314510" cy="400110"/>
+          </a:xfrm>
+          <a:prstGeom prst="rect">
+            <a:avLst/>
+          </a:prstGeom>
+          <a:noFill/>
+        </p:spPr>
+        <p:txBody>
+          <a:bodyPr wrap="none" rtlCol="0">
+            <a:spAutoFit/>
+          </a:bodyPr>
+          <a:lstStyle/>
+          <a:p>
+            <a:r>
+              <a:rPr lang="en-US" sz="2000" dirty="0" smtClean="0"/>
+              <a:t>4</a:t>
+            </a:r>
+            <a:endParaRPr lang="en-US" sz="2000" dirty="0"/>
           </a:p>
         </p:txBody>
       </p:sp>

--- a/figures/franckcondon.pptx
+++ b/figures/franckcondon.pptx
@@ -7,6 +7,8 @@
   <p:sldIdLst>
     <p:sldId id="256" r:id="rId2"/>
     <p:sldId id="257" r:id="rId3"/>
+    <p:sldId id="258" r:id="rId4"/>
+    <p:sldId id="259" r:id="rId5"/>
   </p:sldIdLst>
   <p:sldSz cx="9144000" cy="6858000" type="screen4x3"/>
   <p:notesSz cx="6858000" cy="9144000"/>
@@ -289,7 +291,7 @@
           <a:p>
             <a:fld id="{CF5AEEC3-E33C-4437-AD98-0E2803A95A1A}" type="datetimeFigureOut">
               <a:rPr lang="en-US" smtClean="0"/>
-              <a:t>10/8/2015</a:t>
+              <a:t>12/1/2015</a:t>
             </a:fld>
             <a:endParaRPr lang="en-US"/>
           </a:p>
@@ -459,7 +461,7 @@
           <a:p>
             <a:fld id="{CF5AEEC3-E33C-4437-AD98-0E2803A95A1A}" type="datetimeFigureOut">
               <a:rPr lang="en-US" smtClean="0"/>
-              <a:t>10/8/2015</a:t>
+              <a:t>12/1/2015</a:t>
             </a:fld>
             <a:endParaRPr lang="en-US"/>
           </a:p>
@@ -639,7 +641,7 @@
           <a:p>
             <a:fld id="{CF5AEEC3-E33C-4437-AD98-0E2803A95A1A}" type="datetimeFigureOut">
               <a:rPr lang="en-US" smtClean="0"/>
-              <a:t>10/8/2015</a:t>
+              <a:t>12/1/2015</a:t>
             </a:fld>
             <a:endParaRPr lang="en-US"/>
           </a:p>
@@ -809,7 +811,7 @@
           <a:p>
             <a:fld id="{CF5AEEC3-E33C-4437-AD98-0E2803A95A1A}" type="datetimeFigureOut">
               <a:rPr lang="en-US" smtClean="0"/>
-              <a:t>10/8/2015</a:t>
+              <a:t>12/1/2015</a:t>
             </a:fld>
             <a:endParaRPr lang="en-US"/>
           </a:p>
@@ -1055,7 +1057,7 @@
           <a:p>
             <a:fld id="{CF5AEEC3-E33C-4437-AD98-0E2803A95A1A}" type="datetimeFigureOut">
               <a:rPr lang="en-US" smtClean="0"/>
-              <a:t>10/8/2015</a:t>
+              <a:t>12/1/2015</a:t>
             </a:fld>
             <a:endParaRPr lang="en-US"/>
           </a:p>
@@ -1343,7 +1345,7 @@
           <a:p>
             <a:fld id="{CF5AEEC3-E33C-4437-AD98-0E2803A95A1A}" type="datetimeFigureOut">
               <a:rPr lang="en-US" smtClean="0"/>
-              <a:t>10/8/2015</a:t>
+              <a:t>12/1/2015</a:t>
             </a:fld>
             <a:endParaRPr lang="en-US"/>
           </a:p>
@@ -1765,7 +1767,7 @@
           <a:p>
             <a:fld id="{CF5AEEC3-E33C-4437-AD98-0E2803A95A1A}" type="datetimeFigureOut">
               <a:rPr lang="en-US" smtClean="0"/>
-              <a:t>10/8/2015</a:t>
+              <a:t>12/1/2015</a:t>
             </a:fld>
             <a:endParaRPr lang="en-US"/>
           </a:p>
@@ -1883,7 +1885,7 @@
           <a:p>
             <a:fld id="{CF5AEEC3-E33C-4437-AD98-0E2803A95A1A}" type="datetimeFigureOut">
               <a:rPr lang="en-US" smtClean="0"/>
-              <a:t>10/8/2015</a:t>
+              <a:t>12/1/2015</a:t>
             </a:fld>
             <a:endParaRPr lang="en-US"/>
           </a:p>
@@ -1978,7 +1980,7 @@
           <a:p>
             <a:fld id="{CF5AEEC3-E33C-4437-AD98-0E2803A95A1A}" type="datetimeFigureOut">
               <a:rPr lang="en-US" smtClean="0"/>
-              <a:t>10/8/2015</a:t>
+              <a:t>12/1/2015</a:t>
             </a:fld>
             <a:endParaRPr lang="en-US"/>
           </a:p>
@@ -2255,7 +2257,7 @@
           <a:p>
             <a:fld id="{CF5AEEC3-E33C-4437-AD98-0E2803A95A1A}" type="datetimeFigureOut">
               <a:rPr lang="en-US" smtClean="0"/>
-              <a:t>10/8/2015</a:t>
+              <a:t>12/1/2015</a:t>
             </a:fld>
             <a:endParaRPr lang="en-US"/>
           </a:p>
@@ -2508,7 +2510,7 @@
           <a:p>
             <a:fld id="{CF5AEEC3-E33C-4437-AD98-0E2803A95A1A}" type="datetimeFigureOut">
               <a:rPr lang="en-US" smtClean="0"/>
-              <a:t>10/8/2015</a:t>
+              <a:t>12/1/2015</a:t>
             </a:fld>
             <a:endParaRPr lang="en-US"/>
           </a:p>
@@ -2721,7 +2723,7 @@
           <a:p>
             <a:fld id="{CF5AEEC3-E33C-4437-AD98-0E2803A95A1A}" type="datetimeFigureOut">
               <a:rPr lang="en-US" smtClean="0"/>
-              <a:t>10/8/2015</a:t>
+              <a:t>12/1/2015</a:t>
             </a:fld>
             <a:endParaRPr lang="en-US"/>
           </a:p>
@@ -4620,6 +4622,1481 @@
     <p:extLst>
       <p:ext uri="{BB962C8B-B14F-4D97-AF65-F5344CB8AC3E}">
         <p14:creationId xmlns:p14="http://schemas.microsoft.com/office/powerpoint/2010/main" val="1216275307"/>
+      </p:ext>
+    </p:extLst>
+  </p:cSld>
+  <p:clrMapOvr>
+    <a:masterClrMapping/>
+  </p:clrMapOvr>
+</p:sld>
+</file>
+
+<file path=ppt/slides/slide3.xml><?xml version="1.0" encoding="utf-8"?>
+<p:sld xmlns:a="http://schemas.openxmlformats.org/drawingml/2006/main" xmlns:r="http://schemas.openxmlformats.org/officeDocument/2006/relationships" xmlns:p="http://schemas.openxmlformats.org/presentationml/2006/main">
+  <p:cSld>
+    <p:spTree>
+      <p:nvGrpSpPr>
+        <p:cNvPr id="1" name=""/>
+        <p:cNvGrpSpPr/>
+        <p:nvPr/>
+      </p:nvGrpSpPr>
+      <p:grpSpPr>
+        <a:xfrm>
+          <a:off x="0" y="0"/>
+          <a:ext cx="0" cy="0"/>
+          <a:chOff x="0" y="0"/>
+          <a:chExt cx="0" cy="0"/>
+        </a:xfrm>
+      </p:grpSpPr>
+      <p:sp>
+        <p:nvSpPr>
+          <p:cNvPr id="5" name="Freeform 4"/>
+          <p:cNvSpPr/>
+          <p:nvPr/>
+        </p:nvSpPr>
+        <p:spPr>
+          <a:xfrm>
+            <a:off x="2819400" y="2209800"/>
+            <a:ext cx="3179805" cy="1405027"/>
+          </a:xfrm>
+          <a:custGeom>
+            <a:avLst/>
+            <a:gdLst>
+              <a:gd name="connsiteX0" fmla="*/ 3179805 w 3179805"/>
+              <a:gd name="connsiteY0" fmla="*/ 660647 h 1405027"/>
+              <a:gd name="connsiteX1" fmla="*/ 3080951 w 3179805"/>
+              <a:gd name="connsiteY1" fmla="*/ 660647 h 1405027"/>
+              <a:gd name="connsiteX2" fmla="*/ 1515762 w 3179805"/>
+              <a:gd name="connsiteY2" fmla="*/ 668885 h 1405027"/>
+              <a:gd name="connsiteX3" fmla="*/ 708454 w 3179805"/>
+              <a:gd name="connsiteY3" fmla="*/ 1393815 h 1405027"/>
+              <a:gd name="connsiteX4" fmla="*/ 0 w 3179805"/>
+              <a:gd name="connsiteY4" fmla="*/ 18096 h 1405027"/>
+            </a:gdLst>
+            <a:ahLst/>
+            <a:cxnLst>
+              <a:cxn ang="0">
+                <a:pos x="connsiteX0" y="connsiteY0"/>
+              </a:cxn>
+              <a:cxn ang="0">
+                <a:pos x="connsiteX1" y="connsiteY1"/>
+              </a:cxn>
+              <a:cxn ang="0">
+                <a:pos x="connsiteX2" y="connsiteY2"/>
+              </a:cxn>
+              <a:cxn ang="0">
+                <a:pos x="connsiteX3" y="connsiteY3"/>
+              </a:cxn>
+              <a:cxn ang="0">
+                <a:pos x="connsiteX4" y="connsiteY4"/>
+              </a:cxn>
+            </a:cxnLst>
+            <a:rect l="l" t="t" r="r" b="b"/>
+            <a:pathLst>
+              <a:path w="3179805" h="1405027">
+                <a:moveTo>
+                  <a:pt x="3179805" y="660647"/>
+                </a:moveTo>
+                <a:lnTo>
+                  <a:pt x="3080951" y="660647"/>
+                </a:lnTo>
+                <a:cubicBezTo>
+                  <a:pt x="2803611" y="662020"/>
+                  <a:pt x="1911178" y="546690"/>
+                  <a:pt x="1515762" y="668885"/>
+                </a:cubicBezTo>
+                <a:cubicBezTo>
+                  <a:pt x="1120346" y="791080"/>
+                  <a:pt x="961081" y="1502280"/>
+                  <a:pt x="708454" y="1393815"/>
+                </a:cubicBezTo>
+                <a:cubicBezTo>
+                  <a:pt x="455827" y="1285350"/>
+                  <a:pt x="50800" y="-178239"/>
+                  <a:pt x="0" y="18096"/>
+                </a:cubicBezTo>
+              </a:path>
+            </a:pathLst>
+          </a:custGeom>
+          <a:noFill/>
+          <a:ln w="19050">
+            <a:solidFill>
+              <a:schemeClr val="tx1"/>
+            </a:solidFill>
+          </a:ln>
+        </p:spPr>
+        <p:style>
+          <a:lnRef idx="2">
+            <a:schemeClr val="accent1">
+              <a:shade val="50000"/>
+            </a:schemeClr>
+          </a:lnRef>
+          <a:fillRef idx="1">
+            <a:schemeClr val="accent1"/>
+          </a:fillRef>
+          <a:effectRef idx="0">
+            <a:schemeClr val="accent1"/>
+          </a:effectRef>
+          <a:fontRef idx="minor">
+            <a:schemeClr val="lt1"/>
+          </a:fontRef>
+        </p:style>
+        <p:txBody>
+          <a:bodyPr rtlCol="0" anchor="ctr"/>
+          <a:lstStyle/>
+          <a:p>
+            <a:pPr algn="ctr"/>
+            <a:endParaRPr lang="en-US"/>
+          </a:p>
+        </p:txBody>
+      </p:sp>
+      <p:sp>
+        <p:nvSpPr>
+          <p:cNvPr id="10" name="Freeform 9"/>
+          <p:cNvSpPr/>
+          <p:nvPr/>
+        </p:nvSpPr>
+        <p:spPr>
+          <a:xfrm>
+            <a:off x="2514600" y="3739978"/>
+            <a:ext cx="3179805" cy="603422"/>
+          </a:xfrm>
+          <a:custGeom>
+            <a:avLst/>
+            <a:gdLst>
+              <a:gd name="connsiteX0" fmla="*/ 3179805 w 3179805"/>
+              <a:gd name="connsiteY0" fmla="*/ 660647 h 1405027"/>
+              <a:gd name="connsiteX1" fmla="*/ 3080951 w 3179805"/>
+              <a:gd name="connsiteY1" fmla="*/ 660647 h 1405027"/>
+              <a:gd name="connsiteX2" fmla="*/ 1515762 w 3179805"/>
+              <a:gd name="connsiteY2" fmla="*/ 668885 h 1405027"/>
+              <a:gd name="connsiteX3" fmla="*/ 708454 w 3179805"/>
+              <a:gd name="connsiteY3" fmla="*/ 1393815 h 1405027"/>
+              <a:gd name="connsiteX4" fmla="*/ 0 w 3179805"/>
+              <a:gd name="connsiteY4" fmla="*/ 18096 h 1405027"/>
+            </a:gdLst>
+            <a:ahLst/>
+            <a:cxnLst>
+              <a:cxn ang="0">
+                <a:pos x="connsiteX0" y="connsiteY0"/>
+              </a:cxn>
+              <a:cxn ang="0">
+                <a:pos x="connsiteX1" y="connsiteY1"/>
+              </a:cxn>
+              <a:cxn ang="0">
+                <a:pos x="connsiteX2" y="connsiteY2"/>
+              </a:cxn>
+              <a:cxn ang="0">
+                <a:pos x="connsiteX3" y="connsiteY3"/>
+              </a:cxn>
+              <a:cxn ang="0">
+                <a:pos x="connsiteX4" y="connsiteY4"/>
+              </a:cxn>
+            </a:cxnLst>
+            <a:rect l="l" t="t" r="r" b="b"/>
+            <a:pathLst>
+              <a:path w="3179805" h="1405027">
+                <a:moveTo>
+                  <a:pt x="3179805" y="660647"/>
+                </a:moveTo>
+                <a:lnTo>
+                  <a:pt x="3080951" y="660647"/>
+                </a:lnTo>
+                <a:cubicBezTo>
+                  <a:pt x="2803611" y="662020"/>
+                  <a:pt x="1911178" y="546690"/>
+                  <a:pt x="1515762" y="668885"/>
+                </a:cubicBezTo>
+                <a:cubicBezTo>
+                  <a:pt x="1120346" y="791080"/>
+                  <a:pt x="961081" y="1502280"/>
+                  <a:pt x="708454" y="1393815"/>
+                </a:cubicBezTo>
+                <a:cubicBezTo>
+                  <a:pt x="455827" y="1285350"/>
+                  <a:pt x="50800" y="-178239"/>
+                  <a:pt x="0" y="18096"/>
+                </a:cubicBezTo>
+              </a:path>
+            </a:pathLst>
+          </a:custGeom>
+          <a:noFill/>
+          <a:ln w="19050">
+            <a:solidFill>
+              <a:schemeClr val="tx1"/>
+            </a:solidFill>
+          </a:ln>
+        </p:spPr>
+        <p:style>
+          <a:lnRef idx="2">
+            <a:schemeClr val="accent1">
+              <a:shade val="50000"/>
+            </a:schemeClr>
+          </a:lnRef>
+          <a:fillRef idx="1">
+            <a:schemeClr val="accent1"/>
+          </a:fillRef>
+          <a:effectRef idx="0">
+            <a:schemeClr val="accent1"/>
+          </a:effectRef>
+          <a:fontRef idx="minor">
+            <a:schemeClr val="lt1"/>
+          </a:fontRef>
+        </p:style>
+        <p:txBody>
+          <a:bodyPr rtlCol="0" anchor="ctr"/>
+          <a:lstStyle/>
+          <a:p>
+            <a:pPr algn="ctr"/>
+            <a:endParaRPr lang="en-US"/>
+          </a:p>
+        </p:txBody>
+      </p:sp>
+      <p:sp>
+        <p:nvSpPr>
+          <p:cNvPr id="11" name="Rectangle 10"/>
+          <p:cNvSpPr/>
+          <p:nvPr/>
+        </p:nvSpPr>
+        <p:spPr>
+          <a:xfrm>
+            <a:off x="5181600" y="2438400"/>
+            <a:ext cx="1295400" cy="609600"/>
+          </a:xfrm>
+          <a:prstGeom prst="rect">
+            <a:avLst/>
+          </a:prstGeom>
+          <a:solidFill>
+            <a:schemeClr val="bg1"/>
+          </a:solidFill>
+          <a:ln>
+            <a:noFill/>
+          </a:ln>
+        </p:spPr>
+        <p:style>
+          <a:lnRef idx="2">
+            <a:schemeClr val="accent1">
+              <a:shade val="50000"/>
+            </a:schemeClr>
+          </a:lnRef>
+          <a:fillRef idx="1">
+            <a:schemeClr val="accent1"/>
+          </a:fillRef>
+          <a:effectRef idx="0">
+            <a:schemeClr val="accent1"/>
+          </a:effectRef>
+          <a:fontRef idx="minor">
+            <a:schemeClr val="lt1"/>
+          </a:fontRef>
+        </p:style>
+        <p:txBody>
+          <a:bodyPr rtlCol="0" anchor="ctr"/>
+          <a:lstStyle/>
+          <a:p>
+            <a:pPr algn="ctr"/>
+            <a:endParaRPr lang="en-US"/>
+          </a:p>
+        </p:txBody>
+      </p:sp>
+      <p:sp>
+        <p:nvSpPr>
+          <p:cNvPr id="12" name="Rectangle 11"/>
+          <p:cNvSpPr/>
+          <p:nvPr/>
+        </p:nvSpPr>
+        <p:spPr>
+          <a:xfrm>
+            <a:off x="4800600" y="3505200"/>
+            <a:ext cx="1295400" cy="609600"/>
+          </a:xfrm>
+          <a:prstGeom prst="rect">
+            <a:avLst/>
+          </a:prstGeom>
+          <a:solidFill>
+            <a:schemeClr val="bg1"/>
+          </a:solidFill>
+          <a:ln>
+            <a:noFill/>
+          </a:ln>
+        </p:spPr>
+        <p:style>
+          <a:lnRef idx="2">
+            <a:schemeClr val="accent1">
+              <a:shade val="50000"/>
+            </a:schemeClr>
+          </a:lnRef>
+          <a:fillRef idx="1">
+            <a:schemeClr val="accent1"/>
+          </a:fillRef>
+          <a:effectRef idx="0">
+            <a:schemeClr val="accent1"/>
+          </a:effectRef>
+          <a:fontRef idx="minor">
+            <a:schemeClr val="lt1"/>
+          </a:fontRef>
+        </p:style>
+        <p:txBody>
+          <a:bodyPr rtlCol="0" anchor="ctr"/>
+          <a:lstStyle/>
+          <a:p>
+            <a:pPr algn="ctr"/>
+            <a:endParaRPr lang="en-US"/>
+          </a:p>
+        </p:txBody>
+      </p:sp>
+      <p:sp>
+        <p:nvSpPr>
+          <p:cNvPr id="13" name="Rectangle 12"/>
+          <p:cNvSpPr/>
+          <p:nvPr/>
+        </p:nvSpPr>
+        <p:spPr>
+          <a:xfrm>
+            <a:off x="1981200" y="1828800"/>
+            <a:ext cx="1295400" cy="609600"/>
+          </a:xfrm>
+          <a:prstGeom prst="rect">
+            <a:avLst/>
+          </a:prstGeom>
+          <a:solidFill>
+            <a:schemeClr val="bg1"/>
+          </a:solidFill>
+          <a:ln>
+            <a:noFill/>
+          </a:ln>
+        </p:spPr>
+        <p:style>
+          <a:lnRef idx="2">
+            <a:schemeClr val="accent1">
+              <a:shade val="50000"/>
+            </a:schemeClr>
+          </a:lnRef>
+          <a:fillRef idx="1">
+            <a:schemeClr val="accent1"/>
+          </a:fillRef>
+          <a:effectRef idx="0">
+            <a:schemeClr val="accent1"/>
+          </a:effectRef>
+          <a:fontRef idx="minor">
+            <a:schemeClr val="lt1"/>
+          </a:fontRef>
+        </p:style>
+        <p:txBody>
+          <a:bodyPr rtlCol="0" anchor="ctr"/>
+          <a:lstStyle/>
+          <a:p>
+            <a:pPr algn="ctr"/>
+            <a:endParaRPr lang="en-US"/>
+          </a:p>
+        </p:txBody>
+      </p:sp>
+      <p:sp>
+        <p:nvSpPr>
+          <p:cNvPr id="14" name="Rectangle 13"/>
+          <p:cNvSpPr/>
+          <p:nvPr/>
+        </p:nvSpPr>
+        <p:spPr>
+          <a:xfrm>
+            <a:off x="1447800" y="3005227"/>
+            <a:ext cx="1295400" cy="609600"/>
+          </a:xfrm>
+          <a:prstGeom prst="rect">
+            <a:avLst/>
+          </a:prstGeom>
+          <a:solidFill>
+            <a:schemeClr val="bg1"/>
+          </a:solidFill>
+          <a:ln>
+            <a:noFill/>
+          </a:ln>
+        </p:spPr>
+        <p:style>
+          <a:lnRef idx="2">
+            <a:schemeClr val="accent1">
+              <a:shade val="50000"/>
+            </a:schemeClr>
+          </a:lnRef>
+          <a:fillRef idx="1">
+            <a:schemeClr val="accent1"/>
+          </a:fillRef>
+          <a:effectRef idx="0">
+            <a:schemeClr val="accent1"/>
+          </a:effectRef>
+          <a:fontRef idx="minor">
+            <a:schemeClr val="lt1"/>
+          </a:fontRef>
+        </p:style>
+        <p:txBody>
+          <a:bodyPr rtlCol="0" anchor="ctr"/>
+          <a:lstStyle/>
+          <a:p>
+            <a:pPr algn="ctr"/>
+            <a:endParaRPr lang="en-US"/>
+          </a:p>
+        </p:txBody>
+      </p:sp>
+      <p:cxnSp>
+        <p:nvCxnSpPr>
+          <p:cNvPr id="18" name="Straight Connector 17"/>
+          <p:cNvCxnSpPr/>
+          <p:nvPr/>
+        </p:nvCxnSpPr>
+        <p:spPr>
+          <a:xfrm>
+            <a:off x="5791200" y="2431034"/>
+            <a:ext cx="304800" cy="0"/>
+          </a:xfrm>
+          <a:prstGeom prst="line">
+            <a:avLst/>
+          </a:prstGeom>
+          <a:ln>
+            <a:solidFill>
+              <a:schemeClr val="tx1"/>
+            </a:solidFill>
+          </a:ln>
+        </p:spPr>
+        <p:style>
+          <a:lnRef idx="1">
+            <a:schemeClr val="accent1"/>
+          </a:lnRef>
+          <a:fillRef idx="0">
+            <a:schemeClr val="accent1"/>
+          </a:fillRef>
+          <a:effectRef idx="0">
+            <a:schemeClr val="accent1"/>
+          </a:effectRef>
+          <a:fontRef idx="minor">
+            <a:schemeClr val="tx1"/>
+          </a:fontRef>
+        </p:style>
+      </p:cxnSp>
+    </p:spTree>
+    <p:extLst>
+      <p:ext uri="{BB962C8B-B14F-4D97-AF65-F5344CB8AC3E}">
+        <p14:creationId xmlns:p14="http://schemas.microsoft.com/office/powerpoint/2010/main" val="2784977201"/>
+      </p:ext>
+    </p:extLst>
+  </p:cSld>
+  <p:clrMapOvr>
+    <a:masterClrMapping/>
+  </p:clrMapOvr>
+</p:sld>
+</file>
+
+<file path=ppt/slides/slide4.xml><?xml version="1.0" encoding="utf-8"?>
+<p:sld xmlns:a="http://schemas.openxmlformats.org/drawingml/2006/main" xmlns:r="http://schemas.openxmlformats.org/officeDocument/2006/relationships" xmlns:p="http://schemas.openxmlformats.org/presentationml/2006/main">
+  <p:cSld>
+    <p:spTree>
+      <p:nvGrpSpPr>
+        <p:cNvPr id="1" name=""/>
+        <p:cNvGrpSpPr/>
+        <p:nvPr/>
+      </p:nvGrpSpPr>
+      <p:grpSpPr>
+        <a:xfrm>
+          <a:off x="0" y="0"/>
+          <a:ext cx="0" cy="0"/>
+          <a:chOff x="0" y="0"/>
+          <a:chExt cx="0" cy="0"/>
+        </a:xfrm>
+      </p:grpSpPr>
+      <p:pic>
+        <p:nvPicPr>
+          <p:cNvPr id="2" name="Picture 1"/>
+          <p:cNvPicPr>
+            <a:picLocks noChangeAspect="1"/>
+          </p:cNvPicPr>
+          <p:nvPr/>
+        </p:nvPicPr>
+        <p:blipFill>
+          <a:blip r:embed="rId2">
+            <a:extLst>
+              <a:ext uri="{28A0092B-C50C-407E-A947-70E740481C1C}">
+                <a14:useLocalDpi xmlns:a14="http://schemas.microsoft.com/office/drawing/2010/main" val="0"/>
+              </a:ext>
+            </a:extLst>
+          </a:blip>
+          <a:stretch>
+            <a:fillRect/>
+          </a:stretch>
+        </p:blipFill>
+        <p:spPr>
+          <a:xfrm>
+            <a:off x="740960" y="-381000"/>
+            <a:ext cx="8555440" cy="6857999"/>
+          </a:xfrm>
+          <a:prstGeom prst="rect">
+            <a:avLst/>
+          </a:prstGeom>
+        </p:spPr>
+      </p:pic>
+      <p:cxnSp>
+        <p:nvCxnSpPr>
+          <p:cNvPr id="4" name="Straight Arrow Connector 3"/>
+          <p:cNvCxnSpPr/>
+          <p:nvPr/>
+        </p:nvCxnSpPr>
+        <p:spPr>
+          <a:xfrm flipV="1">
+            <a:off x="3329923" y="1887196"/>
+            <a:ext cx="0" cy="2971800"/>
+          </a:xfrm>
+          <a:prstGeom prst="straightConnector1">
+            <a:avLst/>
+          </a:prstGeom>
+          <a:ln w="57150">
+            <a:solidFill>
+              <a:srgbClr val="00FF00"/>
+            </a:solidFill>
+            <a:headEnd type="none" w="med" len="med"/>
+            <a:tailEnd type="triangle" w="med" len="med"/>
+          </a:ln>
+        </p:spPr>
+        <p:style>
+          <a:lnRef idx="1">
+            <a:schemeClr val="accent1"/>
+          </a:lnRef>
+          <a:fillRef idx="0">
+            <a:schemeClr val="accent1"/>
+          </a:fillRef>
+          <a:effectRef idx="0">
+            <a:schemeClr val="accent1"/>
+          </a:effectRef>
+          <a:fontRef idx="minor">
+            <a:schemeClr val="tx1"/>
+          </a:fontRef>
+        </p:style>
+      </p:cxnSp>
+      <p:cxnSp>
+        <p:nvCxnSpPr>
+          <p:cNvPr id="6" name="Straight Arrow Connector 5"/>
+          <p:cNvCxnSpPr/>
+          <p:nvPr/>
+        </p:nvCxnSpPr>
+        <p:spPr>
+          <a:xfrm>
+            <a:off x="4104280" y="2853804"/>
+            <a:ext cx="0" cy="1688590"/>
+          </a:xfrm>
+          <a:prstGeom prst="straightConnector1">
+            <a:avLst/>
+          </a:prstGeom>
+          <a:ln w="57150">
+            <a:solidFill>
+              <a:srgbClr val="FFC000"/>
+            </a:solidFill>
+            <a:headEnd type="none" w="med" len="med"/>
+            <a:tailEnd type="triangle" w="med" len="med"/>
+          </a:ln>
+        </p:spPr>
+        <p:style>
+          <a:lnRef idx="1">
+            <a:schemeClr val="accent1"/>
+          </a:lnRef>
+          <a:fillRef idx="0">
+            <a:schemeClr val="accent1"/>
+          </a:fillRef>
+          <a:effectRef idx="0">
+            <a:schemeClr val="accent1"/>
+          </a:effectRef>
+          <a:fontRef idx="minor">
+            <a:schemeClr val="tx1"/>
+          </a:fontRef>
+        </p:style>
+      </p:cxnSp>
+      <p:cxnSp>
+        <p:nvCxnSpPr>
+          <p:cNvPr id="9" name="Straight Arrow Connector 8"/>
+          <p:cNvCxnSpPr/>
+          <p:nvPr/>
+        </p:nvCxnSpPr>
+        <p:spPr>
+          <a:xfrm>
+            <a:off x="3426717" y="1931773"/>
+            <a:ext cx="677563" cy="914400"/>
+          </a:xfrm>
+          <a:prstGeom prst="straightConnector1">
+            <a:avLst/>
+          </a:prstGeom>
+          <a:ln w="38100">
+            <a:solidFill>
+              <a:schemeClr val="accent5">
+                <a:lumMod val="75000"/>
+              </a:schemeClr>
+            </a:solidFill>
+            <a:prstDash val="sysDash"/>
+            <a:headEnd type="none" w="med" len="med"/>
+            <a:tailEnd type="triangle" w="med" len="med"/>
+          </a:ln>
+        </p:spPr>
+        <p:style>
+          <a:lnRef idx="1">
+            <a:schemeClr val="accent1"/>
+          </a:lnRef>
+          <a:fillRef idx="0">
+            <a:schemeClr val="accent1"/>
+          </a:fillRef>
+          <a:effectRef idx="0">
+            <a:schemeClr val="accent1"/>
+          </a:effectRef>
+          <a:fontRef idx="minor">
+            <a:schemeClr val="tx1"/>
+          </a:fontRef>
+        </p:style>
+      </p:cxnSp>
+      <p:sp>
+        <p:nvSpPr>
+          <p:cNvPr id="20" name="Rectangle 19"/>
+          <p:cNvSpPr/>
+          <p:nvPr/>
+        </p:nvSpPr>
+        <p:spPr>
+          <a:xfrm>
+            <a:off x="914400" y="-152400"/>
+            <a:ext cx="7848600" cy="6400800"/>
+          </a:xfrm>
+          <a:prstGeom prst="rect">
+            <a:avLst/>
+          </a:prstGeom>
+          <a:noFill/>
+          <a:ln w="19050">
+            <a:solidFill>
+              <a:schemeClr val="tx1"/>
+            </a:solidFill>
+          </a:ln>
+        </p:spPr>
+        <p:style>
+          <a:lnRef idx="2">
+            <a:schemeClr val="accent1">
+              <a:shade val="50000"/>
+            </a:schemeClr>
+          </a:lnRef>
+          <a:fillRef idx="1">
+            <a:schemeClr val="accent1"/>
+          </a:fillRef>
+          <a:effectRef idx="0">
+            <a:schemeClr val="accent1"/>
+          </a:effectRef>
+          <a:fontRef idx="minor">
+            <a:schemeClr val="lt1"/>
+          </a:fontRef>
+        </p:style>
+        <p:txBody>
+          <a:bodyPr rtlCol="0" anchor="ctr"/>
+          <a:lstStyle/>
+          <a:p>
+            <a:pPr algn="ctr"/>
+            <a:endParaRPr lang="en-US"/>
+          </a:p>
+        </p:txBody>
+      </p:sp>
+      <p:sp>
+        <p:nvSpPr>
+          <p:cNvPr id="21" name="TextBox 20"/>
+          <p:cNvSpPr txBox="1"/>
+          <p:nvPr/>
+        </p:nvSpPr>
+        <p:spPr>
+          <a:xfrm rot="16200000">
+            <a:off x="-123463" y="2584563"/>
+            <a:ext cx="1176797" cy="523220"/>
+          </a:xfrm>
+          <a:prstGeom prst="rect">
+            <a:avLst/>
+          </a:prstGeom>
+          <a:noFill/>
+        </p:spPr>
+        <p:txBody>
+          <a:bodyPr wrap="none" rtlCol="0">
+            <a:spAutoFit/>
+          </a:bodyPr>
+          <a:lstStyle/>
+          <a:p>
+            <a:r>
+              <a:rPr lang="en-US" sz="2800" dirty="0" smtClean="0"/>
+              <a:t>Energy</a:t>
+            </a:r>
+            <a:endParaRPr lang="en-US" sz="2800" dirty="0"/>
+          </a:p>
+        </p:txBody>
+      </p:sp>
+      <p:sp>
+        <p:nvSpPr>
+          <p:cNvPr id="22" name="TextBox 21"/>
+          <p:cNvSpPr txBox="1"/>
+          <p:nvPr/>
+        </p:nvSpPr>
+        <p:spPr>
+          <a:xfrm>
+            <a:off x="3329923" y="6324600"/>
+            <a:ext cx="3313728" cy="523220"/>
+          </a:xfrm>
+          <a:prstGeom prst="rect">
+            <a:avLst/>
+          </a:prstGeom>
+          <a:noFill/>
+        </p:spPr>
+        <p:txBody>
+          <a:bodyPr wrap="none" rtlCol="0">
+            <a:spAutoFit/>
+          </a:bodyPr>
+          <a:lstStyle/>
+          <a:p>
+            <a:r>
+              <a:rPr lang="en-US" sz="2800" dirty="0" smtClean="0"/>
+              <a:t>Inter-atomic Distance</a:t>
+            </a:r>
+            <a:endParaRPr lang="en-US" sz="2800" dirty="0"/>
+          </a:p>
+        </p:txBody>
+      </p:sp>
+      <p:cxnSp>
+        <p:nvCxnSpPr>
+          <p:cNvPr id="24" name="Straight Connector 23"/>
+          <p:cNvCxnSpPr/>
+          <p:nvPr/>
+        </p:nvCxnSpPr>
+        <p:spPr>
+          <a:xfrm flipV="1">
+            <a:off x="2819400" y="994817"/>
+            <a:ext cx="0" cy="3805783"/>
+          </a:xfrm>
+          <a:prstGeom prst="line">
+            <a:avLst/>
+          </a:prstGeom>
+          <a:ln w="19050">
+            <a:solidFill>
+              <a:srgbClr val="00FF00"/>
+            </a:solidFill>
+            <a:prstDash val="dash"/>
+          </a:ln>
+        </p:spPr>
+        <p:style>
+          <a:lnRef idx="1">
+            <a:schemeClr val="accent1"/>
+          </a:lnRef>
+          <a:fillRef idx="0">
+            <a:schemeClr val="accent1"/>
+          </a:fillRef>
+          <a:effectRef idx="0">
+            <a:schemeClr val="accent1"/>
+          </a:effectRef>
+          <a:fontRef idx="minor">
+            <a:schemeClr val="tx1"/>
+          </a:fontRef>
+        </p:style>
+      </p:cxnSp>
+      <p:cxnSp>
+        <p:nvCxnSpPr>
+          <p:cNvPr id="25" name="Straight Connector 24"/>
+          <p:cNvCxnSpPr/>
+          <p:nvPr/>
+        </p:nvCxnSpPr>
+        <p:spPr>
+          <a:xfrm flipV="1">
+            <a:off x="3733800" y="2743200"/>
+            <a:ext cx="0" cy="2057400"/>
+          </a:xfrm>
+          <a:prstGeom prst="line">
+            <a:avLst/>
+          </a:prstGeom>
+          <a:ln w="19050">
+            <a:solidFill>
+              <a:srgbClr val="00FF00"/>
+            </a:solidFill>
+            <a:prstDash val="dash"/>
+          </a:ln>
+        </p:spPr>
+        <p:style>
+          <a:lnRef idx="1">
+            <a:schemeClr val="accent1"/>
+          </a:lnRef>
+          <a:fillRef idx="0">
+            <a:schemeClr val="accent1"/>
+          </a:fillRef>
+          <a:effectRef idx="0">
+            <a:schemeClr val="accent1"/>
+          </a:effectRef>
+          <a:fontRef idx="minor">
+            <a:schemeClr val="tx1"/>
+          </a:fontRef>
+        </p:style>
+      </p:cxnSp>
+      <p:cxnSp>
+        <p:nvCxnSpPr>
+          <p:cNvPr id="27" name="Straight Connector 26"/>
+          <p:cNvCxnSpPr/>
+          <p:nvPr/>
+        </p:nvCxnSpPr>
+        <p:spPr>
+          <a:xfrm flipH="1">
+            <a:off x="914400" y="994817"/>
+            <a:ext cx="1883960" cy="0"/>
+          </a:xfrm>
+          <a:prstGeom prst="line">
+            <a:avLst/>
+          </a:prstGeom>
+          <a:ln w="19050">
+            <a:solidFill>
+              <a:srgbClr val="00FF00"/>
+            </a:solidFill>
+            <a:prstDash val="dash"/>
+          </a:ln>
+        </p:spPr>
+        <p:style>
+          <a:lnRef idx="1">
+            <a:schemeClr val="accent1"/>
+          </a:lnRef>
+          <a:fillRef idx="0">
+            <a:schemeClr val="accent1"/>
+          </a:fillRef>
+          <a:effectRef idx="0">
+            <a:schemeClr val="accent1"/>
+          </a:effectRef>
+          <a:fontRef idx="minor">
+            <a:schemeClr val="tx1"/>
+          </a:fontRef>
+        </p:style>
+      </p:cxnSp>
+      <p:cxnSp>
+        <p:nvCxnSpPr>
+          <p:cNvPr id="30" name="Straight Connector 29"/>
+          <p:cNvCxnSpPr/>
+          <p:nvPr/>
+        </p:nvCxnSpPr>
+        <p:spPr>
+          <a:xfrm flipH="1">
+            <a:off x="914400" y="2743200"/>
+            <a:ext cx="2721833" cy="0"/>
+          </a:xfrm>
+          <a:prstGeom prst="line">
+            <a:avLst/>
+          </a:prstGeom>
+          <a:ln w="19050">
+            <a:solidFill>
+              <a:srgbClr val="00FF00"/>
+            </a:solidFill>
+            <a:prstDash val="dash"/>
+          </a:ln>
+        </p:spPr>
+        <p:style>
+          <a:lnRef idx="1">
+            <a:schemeClr val="accent1"/>
+          </a:lnRef>
+          <a:fillRef idx="0">
+            <a:schemeClr val="accent1"/>
+          </a:fillRef>
+          <a:effectRef idx="0">
+            <a:schemeClr val="accent1"/>
+          </a:effectRef>
+          <a:fontRef idx="minor">
+            <a:schemeClr val="tx1"/>
+          </a:fontRef>
+        </p:style>
+      </p:cxnSp>
+      <p:cxnSp>
+        <p:nvCxnSpPr>
+          <p:cNvPr id="32" name="Straight Connector 31"/>
+          <p:cNvCxnSpPr/>
+          <p:nvPr/>
+        </p:nvCxnSpPr>
+        <p:spPr>
+          <a:xfrm flipV="1">
+            <a:off x="3805881" y="2853804"/>
+            <a:ext cx="0" cy="1918250"/>
+          </a:xfrm>
+          <a:prstGeom prst="line">
+            <a:avLst/>
+          </a:prstGeom>
+          <a:ln w="19050">
+            <a:solidFill>
+              <a:srgbClr val="FF9900"/>
+            </a:solidFill>
+            <a:prstDash val="dash"/>
+          </a:ln>
+        </p:spPr>
+        <p:style>
+          <a:lnRef idx="1">
+            <a:schemeClr val="accent1"/>
+          </a:lnRef>
+          <a:fillRef idx="0">
+            <a:schemeClr val="accent1"/>
+          </a:fillRef>
+          <a:effectRef idx="0">
+            <a:schemeClr val="accent1"/>
+          </a:effectRef>
+          <a:fontRef idx="minor">
+            <a:schemeClr val="tx1"/>
+          </a:fontRef>
+        </p:style>
+      </p:cxnSp>
+      <p:cxnSp>
+        <p:nvCxnSpPr>
+          <p:cNvPr id="34" name="Straight Connector 33"/>
+          <p:cNvCxnSpPr/>
+          <p:nvPr/>
+        </p:nvCxnSpPr>
+        <p:spPr>
+          <a:xfrm flipV="1">
+            <a:off x="4419600" y="2883408"/>
+            <a:ext cx="0" cy="1555302"/>
+          </a:xfrm>
+          <a:prstGeom prst="line">
+            <a:avLst/>
+          </a:prstGeom>
+          <a:ln w="19050">
+            <a:solidFill>
+              <a:srgbClr val="FF9900"/>
+            </a:solidFill>
+            <a:prstDash val="dash"/>
+          </a:ln>
+        </p:spPr>
+        <p:style>
+          <a:lnRef idx="1">
+            <a:schemeClr val="accent1"/>
+          </a:lnRef>
+          <a:fillRef idx="0">
+            <a:schemeClr val="accent1"/>
+          </a:fillRef>
+          <a:effectRef idx="0">
+            <a:schemeClr val="accent1"/>
+          </a:effectRef>
+          <a:fontRef idx="minor">
+            <a:schemeClr val="tx1"/>
+          </a:fontRef>
+        </p:style>
+      </p:cxnSp>
+      <p:cxnSp>
+        <p:nvCxnSpPr>
+          <p:cNvPr id="36" name="Straight Connector 35"/>
+          <p:cNvCxnSpPr/>
+          <p:nvPr/>
+        </p:nvCxnSpPr>
+        <p:spPr>
+          <a:xfrm>
+            <a:off x="990600" y="4497859"/>
+            <a:ext cx="3270935" cy="0"/>
+          </a:xfrm>
+          <a:prstGeom prst="line">
+            <a:avLst/>
+          </a:prstGeom>
+          <a:ln w="19050">
+            <a:solidFill>
+              <a:srgbClr val="FF9900"/>
+            </a:solidFill>
+            <a:prstDash val="dash"/>
+          </a:ln>
+        </p:spPr>
+        <p:style>
+          <a:lnRef idx="1">
+            <a:schemeClr val="accent1"/>
+          </a:lnRef>
+          <a:fillRef idx="0">
+            <a:schemeClr val="accent1"/>
+          </a:fillRef>
+          <a:effectRef idx="0">
+            <a:schemeClr val="accent1"/>
+          </a:effectRef>
+          <a:fontRef idx="minor">
+            <a:schemeClr val="tx1"/>
+          </a:fontRef>
+        </p:style>
+      </p:cxnSp>
+      <p:cxnSp>
+        <p:nvCxnSpPr>
+          <p:cNvPr id="39" name="Straight Connector 38"/>
+          <p:cNvCxnSpPr/>
+          <p:nvPr/>
+        </p:nvCxnSpPr>
+        <p:spPr>
+          <a:xfrm>
+            <a:off x="990600" y="4800600"/>
+            <a:ext cx="2815281" cy="0"/>
+          </a:xfrm>
+          <a:prstGeom prst="line">
+            <a:avLst/>
+          </a:prstGeom>
+          <a:ln w="19050">
+            <a:solidFill>
+              <a:srgbClr val="FF9900"/>
+            </a:solidFill>
+            <a:prstDash val="dash"/>
+          </a:ln>
+        </p:spPr>
+        <p:style>
+          <a:lnRef idx="1">
+            <a:schemeClr val="accent1"/>
+          </a:lnRef>
+          <a:fillRef idx="0">
+            <a:schemeClr val="accent1"/>
+          </a:fillRef>
+          <a:effectRef idx="0">
+            <a:schemeClr val="accent1"/>
+          </a:effectRef>
+          <a:fontRef idx="minor">
+            <a:schemeClr val="tx1"/>
+          </a:fontRef>
+        </p:style>
+      </p:cxnSp>
+      <p:sp>
+        <p:nvSpPr>
+          <p:cNvPr id="41" name="Right Brace 40"/>
+          <p:cNvSpPr/>
+          <p:nvPr/>
+        </p:nvSpPr>
+        <p:spPr>
+          <a:xfrm>
+            <a:off x="990600" y="1071017"/>
+            <a:ext cx="133393" cy="1595983"/>
+          </a:xfrm>
+          <a:prstGeom prst="rightBrace">
+            <a:avLst/>
+          </a:prstGeom>
+          <a:ln w="19050">
+            <a:solidFill>
+              <a:schemeClr val="tx1"/>
+            </a:solidFill>
+          </a:ln>
+        </p:spPr>
+        <p:style>
+          <a:lnRef idx="1">
+            <a:schemeClr val="accent1"/>
+          </a:lnRef>
+          <a:fillRef idx="0">
+            <a:schemeClr val="accent1"/>
+          </a:fillRef>
+          <a:effectRef idx="0">
+            <a:schemeClr val="accent1"/>
+          </a:effectRef>
+          <a:fontRef idx="minor">
+            <a:schemeClr val="tx1"/>
+          </a:fontRef>
+        </p:style>
+        <p:txBody>
+          <a:bodyPr rtlCol="0" anchor="ctr"/>
+          <a:lstStyle/>
+          <a:p>
+            <a:pPr algn="ctr"/>
+            <a:endParaRPr lang="en-US"/>
+          </a:p>
+        </p:txBody>
+      </p:sp>
+      <p:sp>
+        <p:nvSpPr>
+          <p:cNvPr id="42" name="Right Brace 41"/>
+          <p:cNvSpPr/>
+          <p:nvPr/>
+        </p:nvSpPr>
+        <p:spPr>
+          <a:xfrm>
+            <a:off x="1000125" y="4538818"/>
+            <a:ext cx="123868" cy="228601"/>
+          </a:xfrm>
+          <a:prstGeom prst="rightBrace">
+            <a:avLst/>
+          </a:prstGeom>
+          <a:ln w="19050">
+            <a:solidFill>
+              <a:schemeClr val="tx1"/>
+            </a:solidFill>
+          </a:ln>
+        </p:spPr>
+        <p:style>
+          <a:lnRef idx="1">
+            <a:schemeClr val="accent1"/>
+          </a:lnRef>
+          <a:fillRef idx="0">
+            <a:schemeClr val="accent1"/>
+          </a:fillRef>
+          <a:effectRef idx="0">
+            <a:schemeClr val="accent1"/>
+          </a:effectRef>
+          <a:fontRef idx="minor">
+            <a:schemeClr val="tx1"/>
+          </a:fontRef>
+        </p:style>
+        <p:txBody>
+          <a:bodyPr rtlCol="0" anchor="ctr"/>
+          <a:lstStyle/>
+          <a:p>
+            <a:pPr algn="ctr"/>
+            <a:endParaRPr lang="en-US"/>
+          </a:p>
+        </p:txBody>
+      </p:sp>
+      <p:sp>
+        <p:nvSpPr>
+          <p:cNvPr id="43" name="TextBox 42"/>
+          <p:cNvSpPr txBox="1"/>
+          <p:nvPr/>
+        </p:nvSpPr>
+        <p:spPr>
+          <a:xfrm>
+            <a:off x="1130944" y="1607398"/>
+            <a:ext cx="393056" cy="523220"/>
+          </a:xfrm>
+          <a:prstGeom prst="rect">
+            <a:avLst/>
+          </a:prstGeom>
+          <a:noFill/>
+        </p:spPr>
+        <p:txBody>
+          <a:bodyPr wrap="none" rtlCol="0">
+            <a:spAutoFit/>
+          </a:bodyPr>
+          <a:lstStyle/>
+          <a:p>
+            <a:r>
+              <a:rPr lang="en-US" sz="2800" dirty="0" smtClean="0"/>
+              <a:t>A</a:t>
+            </a:r>
+            <a:endParaRPr lang="en-US" sz="2800" dirty="0"/>
+          </a:p>
+        </p:txBody>
+      </p:sp>
+      <p:sp>
+        <p:nvSpPr>
+          <p:cNvPr id="44" name="TextBox 43"/>
+          <p:cNvSpPr txBox="1"/>
+          <p:nvPr/>
+        </p:nvSpPr>
+        <p:spPr>
+          <a:xfrm>
+            <a:off x="1123993" y="4391508"/>
+            <a:ext cx="393056" cy="523220"/>
+          </a:xfrm>
+          <a:prstGeom prst="rect">
+            <a:avLst/>
+          </a:prstGeom>
+          <a:noFill/>
+        </p:spPr>
+        <p:txBody>
+          <a:bodyPr wrap="none" rtlCol="0">
+            <a:spAutoFit/>
+          </a:bodyPr>
+          <a:lstStyle/>
+          <a:p>
+            <a:r>
+              <a:rPr lang="en-US" sz="2800" dirty="0" smtClean="0"/>
+              <a:t>B</a:t>
+            </a:r>
+            <a:endParaRPr lang="en-US" sz="2800" dirty="0"/>
+          </a:p>
+        </p:txBody>
+      </p:sp>
+      <p:sp>
+        <p:nvSpPr>
+          <p:cNvPr id="23" name="TextBox 22"/>
+          <p:cNvSpPr txBox="1"/>
+          <p:nvPr/>
+        </p:nvSpPr>
+        <p:spPr>
+          <a:xfrm>
+            <a:off x="6477000" y="304800"/>
+            <a:ext cx="2049535" cy="523220"/>
+          </a:xfrm>
+          <a:prstGeom prst="rect">
+            <a:avLst/>
+          </a:prstGeom>
+          <a:noFill/>
+        </p:spPr>
+        <p:txBody>
+          <a:bodyPr wrap="none" rtlCol="0">
+            <a:spAutoFit/>
+          </a:bodyPr>
+          <a:lstStyle/>
+          <a:p>
+            <a:r>
+              <a:rPr lang="en-US" sz="2800" dirty="0" smtClean="0"/>
+              <a:t>Excited State</a:t>
+            </a:r>
+            <a:endParaRPr lang="en-US" sz="2800" dirty="0"/>
+          </a:p>
+        </p:txBody>
+      </p:sp>
+      <p:sp>
+        <p:nvSpPr>
+          <p:cNvPr id="26" name="TextBox 25"/>
+          <p:cNvSpPr txBox="1"/>
+          <p:nvPr/>
+        </p:nvSpPr>
+        <p:spPr>
+          <a:xfrm>
+            <a:off x="5943600" y="3055834"/>
+            <a:ext cx="2111797" cy="523220"/>
+          </a:xfrm>
+          <a:prstGeom prst="rect">
+            <a:avLst/>
+          </a:prstGeom>
+          <a:noFill/>
+        </p:spPr>
+        <p:txBody>
+          <a:bodyPr wrap="none" rtlCol="0">
+            <a:spAutoFit/>
+          </a:bodyPr>
+          <a:lstStyle/>
+          <a:p>
+            <a:r>
+              <a:rPr lang="en-US" sz="2800" dirty="0" smtClean="0"/>
+              <a:t>Ground State</a:t>
+            </a:r>
+            <a:endParaRPr lang="en-US" sz="2800" dirty="0"/>
+          </a:p>
+        </p:txBody>
+      </p:sp>
+      <p:sp>
+        <p:nvSpPr>
+          <p:cNvPr id="3" name="TextBox 2"/>
+          <p:cNvSpPr txBox="1"/>
+          <p:nvPr/>
+        </p:nvSpPr>
+        <p:spPr>
+          <a:xfrm>
+            <a:off x="3924744" y="4625409"/>
+            <a:ext cx="673582" cy="400110"/>
+          </a:xfrm>
+          <a:prstGeom prst="rect">
+            <a:avLst/>
+          </a:prstGeom>
+          <a:noFill/>
+        </p:spPr>
+        <p:txBody>
+          <a:bodyPr wrap="none" rtlCol="0">
+            <a:spAutoFit/>
+          </a:bodyPr>
+          <a:lstStyle/>
+          <a:p>
+            <a:r>
+              <a:rPr lang="el-GR" sz="2000" dirty="0" smtClean="0"/>
+              <a:t>ν</a:t>
+            </a:r>
+            <a:r>
+              <a:rPr lang="en-US" sz="2000" dirty="0" smtClean="0"/>
+              <a:t> = 0</a:t>
+            </a:r>
+            <a:endParaRPr lang="en-US" sz="2000" dirty="0"/>
+          </a:p>
+        </p:txBody>
+      </p:sp>
+      <p:sp>
+        <p:nvSpPr>
+          <p:cNvPr id="28" name="TextBox 27"/>
+          <p:cNvSpPr txBox="1"/>
+          <p:nvPr/>
+        </p:nvSpPr>
+        <p:spPr>
+          <a:xfrm>
+            <a:off x="4418790" y="4330008"/>
+            <a:ext cx="314510" cy="400110"/>
+          </a:xfrm>
+          <a:prstGeom prst="rect">
+            <a:avLst/>
+          </a:prstGeom>
+          <a:noFill/>
+        </p:spPr>
+        <p:txBody>
+          <a:bodyPr wrap="none" rtlCol="0">
+            <a:spAutoFit/>
+          </a:bodyPr>
+          <a:lstStyle/>
+          <a:p>
+            <a:r>
+              <a:rPr lang="en-US" sz="2000" dirty="0" smtClean="0"/>
+              <a:t>1</a:t>
+            </a:r>
+            <a:endParaRPr lang="en-US" sz="2000" dirty="0"/>
+          </a:p>
+        </p:txBody>
+      </p:sp>
+      <p:sp>
+        <p:nvSpPr>
+          <p:cNvPr id="35" name="TextBox 34"/>
+          <p:cNvSpPr txBox="1"/>
+          <p:nvPr/>
+        </p:nvSpPr>
+        <p:spPr>
+          <a:xfrm>
+            <a:off x="4648200" y="2649197"/>
+            <a:ext cx="729687" cy="400110"/>
+          </a:xfrm>
+          <a:prstGeom prst="rect">
+            <a:avLst/>
+          </a:prstGeom>
+          <a:noFill/>
+        </p:spPr>
+        <p:txBody>
+          <a:bodyPr wrap="none" rtlCol="0">
+            <a:spAutoFit/>
+          </a:bodyPr>
+          <a:lstStyle/>
+          <a:p>
+            <a:r>
+              <a:rPr lang="el-GR" sz="2000" dirty="0" smtClean="0"/>
+              <a:t>ν</a:t>
+            </a:r>
+            <a:r>
+              <a:rPr lang="en-US" sz="2000" dirty="0" smtClean="0"/>
+              <a:t>' = 0</a:t>
+            </a:r>
+            <a:endParaRPr lang="en-US" sz="2000" dirty="0"/>
+          </a:p>
+        </p:txBody>
+      </p:sp>
+      <p:sp>
+        <p:nvSpPr>
+          <p:cNvPr id="37" name="TextBox 36"/>
+          <p:cNvSpPr txBox="1"/>
+          <p:nvPr/>
+        </p:nvSpPr>
+        <p:spPr>
+          <a:xfrm>
+            <a:off x="4928981" y="2307096"/>
+            <a:ext cx="314510" cy="400110"/>
+          </a:xfrm>
+          <a:prstGeom prst="rect">
+            <a:avLst/>
+          </a:prstGeom>
+          <a:noFill/>
+        </p:spPr>
+        <p:txBody>
+          <a:bodyPr wrap="none" rtlCol="0">
+            <a:spAutoFit/>
+          </a:bodyPr>
+          <a:lstStyle/>
+          <a:p>
+            <a:r>
+              <a:rPr lang="en-US" sz="2000" dirty="0" smtClean="0"/>
+              <a:t>1</a:t>
+            </a:r>
+            <a:endParaRPr lang="en-US" sz="2000" dirty="0"/>
+          </a:p>
+        </p:txBody>
+      </p:sp>
+      <p:sp>
+        <p:nvSpPr>
+          <p:cNvPr id="38" name="TextBox 37"/>
+          <p:cNvSpPr txBox="1"/>
+          <p:nvPr/>
+        </p:nvSpPr>
+        <p:spPr>
+          <a:xfrm>
+            <a:off x="5088229" y="1988396"/>
+            <a:ext cx="314510" cy="400110"/>
+          </a:xfrm>
+          <a:prstGeom prst="rect">
+            <a:avLst/>
+          </a:prstGeom>
+          <a:noFill/>
+        </p:spPr>
+        <p:txBody>
+          <a:bodyPr wrap="none" rtlCol="0">
+            <a:spAutoFit/>
+          </a:bodyPr>
+          <a:lstStyle/>
+          <a:p>
+            <a:r>
+              <a:rPr lang="en-US" sz="2000" dirty="0" smtClean="0"/>
+              <a:t>2</a:t>
+            </a:r>
+            <a:endParaRPr lang="en-US" sz="2000" dirty="0"/>
+          </a:p>
+        </p:txBody>
+      </p:sp>
+      <p:sp>
+        <p:nvSpPr>
+          <p:cNvPr id="40" name="TextBox 39"/>
+          <p:cNvSpPr txBox="1"/>
+          <p:nvPr/>
+        </p:nvSpPr>
+        <p:spPr>
+          <a:xfrm>
+            <a:off x="5321782" y="1687141"/>
+            <a:ext cx="314510" cy="400110"/>
+          </a:xfrm>
+          <a:prstGeom prst="rect">
+            <a:avLst/>
+          </a:prstGeom>
+          <a:noFill/>
+        </p:spPr>
+        <p:txBody>
+          <a:bodyPr wrap="none" rtlCol="0">
+            <a:spAutoFit/>
+          </a:bodyPr>
+          <a:lstStyle/>
+          <a:p>
+            <a:r>
+              <a:rPr lang="en-US" sz="2000" dirty="0" smtClean="0"/>
+              <a:t>3</a:t>
+            </a:r>
+            <a:endParaRPr lang="en-US" sz="2000" dirty="0"/>
+          </a:p>
+        </p:txBody>
+      </p:sp>
+      <p:sp>
+        <p:nvSpPr>
+          <p:cNvPr id="45" name="TextBox 44"/>
+          <p:cNvSpPr txBox="1"/>
+          <p:nvPr/>
+        </p:nvSpPr>
+        <p:spPr>
+          <a:xfrm>
+            <a:off x="5557009" y="1353797"/>
+            <a:ext cx="314510" cy="400110"/>
+          </a:xfrm>
+          <a:prstGeom prst="rect">
+            <a:avLst/>
+          </a:prstGeom>
+          <a:noFill/>
+        </p:spPr>
+        <p:txBody>
+          <a:bodyPr wrap="none" rtlCol="0">
+            <a:spAutoFit/>
+          </a:bodyPr>
+          <a:lstStyle/>
+          <a:p>
+            <a:r>
+              <a:rPr lang="en-US" sz="2000" dirty="0" smtClean="0"/>
+              <a:t>4</a:t>
+            </a:r>
+            <a:endParaRPr lang="en-US" sz="2000" dirty="0"/>
+          </a:p>
+        </p:txBody>
+      </p:sp>
+      <p:sp>
+        <p:nvSpPr>
+          <p:cNvPr id="49" name="TextBox 48"/>
+          <p:cNvSpPr txBox="1"/>
+          <p:nvPr/>
+        </p:nvSpPr>
+        <p:spPr>
+          <a:xfrm>
+            <a:off x="5943600" y="1106087"/>
+            <a:ext cx="314510" cy="400110"/>
+          </a:xfrm>
+          <a:prstGeom prst="rect">
+            <a:avLst/>
+          </a:prstGeom>
+          <a:noFill/>
+        </p:spPr>
+        <p:txBody>
+          <a:bodyPr wrap="none" rtlCol="0">
+            <a:spAutoFit/>
+          </a:bodyPr>
+          <a:lstStyle/>
+          <a:p>
+            <a:r>
+              <a:rPr lang="en-US" sz="2000" dirty="0" smtClean="0"/>
+              <a:t>5</a:t>
+            </a:r>
+            <a:endParaRPr lang="en-US" sz="2000" dirty="0"/>
+          </a:p>
+        </p:txBody>
+      </p:sp>
+    </p:spTree>
+    <p:extLst>
+      <p:ext uri="{BB962C8B-B14F-4D97-AF65-F5344CB8AC3E}">
+        <p14:creationId xmlns:p14="http://schemas.microsoft.com/office/powerpoint/2010/main" val="1813387220"/>
       </p:ext>
     </p:extLst>
   </p:cSld>
